--- a/Laboratorium/7. Strojenie.pptx
+++ b/Laboratorium/7. Strojenie.pptx
@@ -21148,7 +21148,20 @@
               <a:t>PARAM</a:t>
             </a:r>
             <a:r>
-              <a:rPr kumimoji="0" lang="en-US" altLang="en-US" b="0" i="0" u="none" strike="noStrike" cap="none" normalizeH="0" baseline="0" dirty="0">
+              <a:rPr kumimoji="0" lang="pl-PL" altLang="en-US" sz="1600" b="0" i="0" u="none" strike="noStrike" cap="none" normalizeH="0" baseline="0">
+                <a:ln>
+                  <a:noFill/>
+                </a:ln>
+                <a:solidFill>
+                  <a:schemeClr val="tx1"/>
+                </a:solidFill>
+                <a:effectLst/>
+                <a:latin typeface="Arial" panose="020B0604020202020204" pitchFamily="34" charset="0"/>
+              </a:rPr>
+              <a:t> INT</a:t>
+            </a:r>
+            <a:r>
+              <a:rPr kumimoji="0" lang="en-US" altLang="en-US" b="0" i="0" u="none" strike="noStrike" cap="none" normalizeH="0" baseline="0">
                 <a:ln>
                   <a:noFill/>
                 </a:ln>
